--- a/docs/Презентация.pptx
+++ b/docs/Презентация.pptx
@@ -5,10 +5,10 @@
     <p:sldMasterId id="2147483668" r:id="rId1"/>
   </p:sldMasterIdLst>
   <p:notesMasterIdLst>
-    <p:notesMasterId r:id="rId16"/>
+    <p:notesMasterId r:id="rId17"/>
   </p:notesMasterIdLst>
   <p:handoutMasterIdLst>
-    <p:handoutMasterId r:id="rId17"/>
+    <p:handoutMasterId r:id="rId18"/>
   </p:handoutMasterIdLst>
   <p:sldIdLst>
     <p:sldId id="256" r:id="rId2"/>
@@ -19,40 +19,41 @@
     <p:sldId id="308" r:id="rId7"/>
     <p:sldId id="304" r:id="rId8"/>
     <p:sldId id="302" r:id="rId9"/>
-    <p:sldId id="309" r:id="rId10"/>
-    <p:sldId id="306" r:id="rId11"/>
-    <p:sldId id="307" r:id="rId12"/>
-    <p:sldId id="298" r:id="rId13"/>
-    <p:sldId id="301" r:id="rId14"/>
-    <p:sldId id="300" r:id="rId15"/>
+    <p:sldId id="312" r:id="rId10"/>
+    <p:sldId id="314" r:id="rId11"/>
+    <p:sldId id="306" r:id="rId12"/>
+    <p:sldId id="307" r:id="rId13"/>
+    <p:sldId id="298" r:id="rId14"/>
+    <p:sldId id="301" r:id="rId15"/>
+    <p:sldId id="300" r:id="rId16"/>
   </p:sldIdLst>
   <p:sldSz cx="12192000" cy="6858000"/>
   <p:notesSz cx="6858000" cy="9144000"/>
   <p:embeddedFontLst>
     <p:embeddedFont>
-      <p:font typeface="Roboto Mono" panose="020B0604020202020204" charset="0"/>
-      <p:regular r:id="rId18"/>
-      <p:bold r:id="rId19"/>
-      <p:italic r:id="rId20"/>
-      <p:boldItalic r:id="rId21"/>
+      <p:font typeface="Roboto" panose="020B0604020202020204" charset="0"/>
+      <p:regular r:id="rId19"/>
+      <p:bold r:id="rId20"/>
+      <p:italic r:id="rId21"/>
+      <p:boldItalic r:id="rId22"/>
     </p:embeddedFont>
     <p:embeddedFont>
-      <p:font typeface="Abril Fatface" panose="020B0604020202020204" charset="0"/>
-      <p:regular r:id="rId22"/>
-    </p:embeddedFont>
-    <p:embeddedFont>
-      <p:font typeface="Calibri" panose="020F0502020204030204" pitchFamily="34" charset="0"/>
+      <p:font typeface="Roboto Mono" panose="020B0604020202020204" charset="0"/>
       <p:regular r:id="rId23"/>
       <p:bold r:id="rId24"/>
       <p:italic r:id="rId25"/>
       <p:boldItalic r:id="rId26"/>
     </p:embeddedFont>
     <p:embeddedFont>
-      <p:font typeface="Roboto" panose="020B0604020202020204" charset="0"/>
+      <p:font typeface="Abril Fatface" panose="020B0604020202020204" charset="0"/>
       <p:regular r:id="rId27"/>
-      <p:bold r:id="rId28"/>
-      <p:italic r:id="rId29"/>
-      <p:boldItalic r:id="rId30"/>
+    </p:embeddedFont>
+    <p:embeddedFont>
+      <p:font typeface="Calibri" panose="020F0502020204030204" pitchFamily="34" charset="0"/>
+      <p:regular r:id="rId28"/>
+      <p:bold r:id="rId29"/>
+      <p:italic r:id="rId30"/>
+      <p:boldItalic r:id="rId31"/>
     </p:embeddedFont>
   </p:embeddedFontLst>
   <p:defaultTextStyle>
@@ -388,7 +389,7 @@
           <a:p>
             <a:fld id="{2BD7265C-1BA8-4D75-9E43-960B942DDB64}" type="datetimeFigureOut">
               <a:rPr lang="ru-RU" smtClean="0"/>
-              <a:t>29.05.2024</a:t>
+              <a:t>03.06.2024</a:t>
             </a:fld>
             <a:endParaRPr lang="ru-RU"/>
           </a:p>
@@ -1117,7 +1118,7 @@
     </p:spTree>
     <p:extLst>
       <p:ext uri="{BB962C8B-B14F-4D97-AF65-F5344CB8AC3E}">
-        <p14:creationId xmlns:p14="http://schemas.microsoft.com/office/powerpoint/2010/main" val="1875556233"/>
+        <p14:creationId xmlns:p14="http://schemas.microsoft.com/office/powerpoint/2010/main" val="2695502667"/>
       </p:ext>
     </p:extLst>
   </p:cSld>
@@ -1226,7 +1227,7 @@
     </p:spTree>
     <p:extLst>
       <p:ext uri="{BB962C8B-B14F-4D97-AF65-F5344CB8AC3E}">
-        <p14:creationId xmlns:p14="http://schemas.microsoft.com/office/powerpoint/2010/main" val="2292825842"/>
+        <p14:creationId xmlns:p14="http://schemas.microsoft.com/office/powerpoint/2010/main" val="1875556233"/>
       </p:ext>
     </p:extLst>
   </p:cSld>
@@ -1335,7 +1336,7 @@
     </p:spTree>
     <p:extLst>
       <p:ext uri="{BB962C8B-B14F-4D97-AF65-F5344CB8AC3E}">
-        <p14:creationId xmlns:p14="http://schemas.microsoft.com/office/powerpoint/2010/main" val="3907829456"/>
+        <p14:creationId xmlns:p14="http://schemas.microsoft.com/office/powerpoint/2010/main" val="2292825842"/>
       </p:ext>
     </p:extLst>
   </p:cSld>
@@ -1444,6 +1445,115 @@
     </p:spTree>
     <p:extLst>
       <p:ext uri="{BB962C8B-B14F-4D97-AF65-F5344CB8AC3E}">
+        <p14:creationId xmlns:p14="http://schemas.microsoft.com/office/powerpoint/2010/main" val="3907829456"/>
+      </p:ext>
+    </p:extLst>
+  </p:cSld>
+  <p:clrMapOvr>
+    <a:masterClrMapping/>
+  </p:clrMapOvr>
+</p:notes>
+</file>
+
+<file path=ppt/notesSlides/notesSlide14.xml><?xml version="1.0" encoding="utf-8"?>
+<p:notes xmlns:a="http://schemas.openxmlformats.org/drawingml/2006/main" xmlns:r="http://schemas.openxmlformats.org/officeDocument/2006/relationships" xmlns:p="http://schemas.openxmlformats.org/presentationml/2006/main" showMasterSp="0" showMasterPhAnim="0">
+  <p:cSld>
+    <p:spTree>
+      <p:nvGrpSpPr>
+        <p:cNvPr id="1" name="Shape 508"/>
+        <p:cNvGrpSpPr/>
+        <p:nvPr/>
+      </p:nvGrpSpPr>
+      <p:grpSpPr>
+        <a:xfrm>
+          <a:off x="0" y="0"/>
+          <a:ext cx="0" cy="0"/>
+          <a:chOff x="0" y="0"/>
+          <a:chExt cx="0" cy="0"/>
+        </a:xfrm>
+      </p:grpSpPr>
+      <p:sp>
+        <p:nvSpPr>
+          <p:cNvPr id="509" name="Google Shape;509;g111c3728c19_0_120:notes"/>
+          <p:cNvSpPr>
+            <a:spLocks noGrp="1" noRot="1" noChangeAspect="1"/>
+          </p:cNvSpPr>
+          <p:nvPr>
+            <p:ph type="sldImg" idx="2"/>
+          </p:nvPr>
+        </p:nvSpPr>
+        <p:spPr>
+          <a:xfrm>
+            <a:off x="381000" y="685800"/>
+            <a:ext cx="6096000" cy="3429000"/>
+          </a:xfrm>
+          <a:custGeom>
+            <a:avLst/>
+            <a:gdLst/>
+            <a:ahLst/>
+            <a:cxnLst/>
+            <a:rect l="l" t="t" r="r" b="b"/>
+            <a:pathLst>
+              <a:path w="120000" h="120000" extrusionOk="0">
+                <a:moveTo>
+                  <a:pt x="0" y="0"/>
+                </a:moveTo>
+                <a:lnTo>
+                  <a:pt x="120000" y="0"/>
+                </a:lnTo>
+                <a:lnTo>
+                  <a:pt x="120000" y="120000"/>
+                </a:lnTo>
+                <a:lnTo>
+                  <a:pt x="0" y="120000"/>
+                </a:lnTo>
+                <a:close/>
+              </a:path>
+            </a:pathLst>
+          </a:custGeom>
+        </p:spPr>
+      </p:sp>
+      <p:sp>
+        <p:nvSpPr>
+          <p:cNvPr id="510" name="Google Shape;510;g111c3728c19_0_120:notes"/>
+          <p:cNvSpPr txBox="1">
+            <a:spLocks noGrp="1"/>
+          </p:cNvSpPr>
+          <p:nvPr>
+            <p:ph type="body" idx="1"/>
+          </p:nvPr>
+        </p:nvSpPr>
+        <p:spPr>
+          <a:xfrm>
+            <a:off x="685800" y="4343400"/>
+            <a:ext cx="5486400" cy="4114800"/>
+          </a:xfrm>
+          <a:prstGeom prst="rect">
+            <a:avLst/>
+          </a:prstGeom>
+        </p:spPr>
+        <p:txBody>
+          <a:bodyPr spcFirstLastPara="1" wrap="square" lIns="91425" tIns="91425" rIns="91425" bIns="91425" anchor="t" anchorCtr="0">
+            <a:noAutofit/>
+          </a:bodyPr>
+          <a:lstStyle/>
+          <a:p>
+            <a:pPr marL="0" lvl="0" indent="0" algn="l" rtl="0">
+              <a:spcBef>
+                <a:spcPts val="0"/>
+              </a:spcBef>
+              <a:spcAft>
+                <a:spcPts val="0"/>
+              </a:spcAft>
+              <a:buNone/>
+            </a:pPr>
+            <a:endParaRPr/>
+          </a:p>
+        </p:txBody>
+      </p:sp>
+    </p:spTree>
+    <p:extLst>
+      <p:ext uri="{BB962C8B-B14F-4D97-AF65-F5344CB8AC3E}">
         <p14:creationId xmlns:p14="http://schemas.microsoft.com/office/powerpoint/2010/main" val="1529641332"/>
       </p:ext>
     </p:extLst>
@@ -1454,7 +1564,7 @@
 </p:notes>
 </file>
 
-<file path=ppt/notesSlides/notesSlide14.xml><?xml version="1.0" encoding="utf-8"?>
+<file path=ppt/notesSlides/notesSlide15.xml><?xml version="1.0" encoding="utf-8"?>
 <p:notes xmlns:a="http://schemas.openxmlformats.org/drawingml/2006/main" xmlns:r="http://schemas.openxmlformats.org/officeDocument/2006/relationships" xmlns:p="http://schemas.openxmlformats.org/presentationml/2006/main" showMasterSp="0" showMasterPhAnim="0">
   <p:cSld>
     <p:spTree>
@@ -2415,7 +2525,7 @@
     </p:spTree>
     <p:extLst>
       <p:ext uri="{BB962C8B-B14F-4D97-AF65-F5344CB8AC3E}">
-        <p14:creationId xmlns:p14="http://schemas.microsoft.com/office/powerpoint/2010/main" val="2003673587"/>
+        <p14:creationId xmlns:p14="http://schemas.microsoft.com/office/powerpoint/2010/main" val="3015676766"/>
       </p:ext>
     </p:extLst>
   </p:cSld>
@@ -18943,29 +19053,7 @@
                   </a:schemeClr>
                 </a:solidFill>
               </a:rPr>
-              <a:t>с</a:t>
-            </a:r>
-            <a:r>
-              <a:rPr lang="ru-RU" sz="6000" dirty="0" smtClean="0">
-                <a:solidFill>
-                  <a:schemeClr val="accent6">
-                    <a:lumMod val="60000"/>
-                    <a:lumOff val="40000"/>
-                  </a:schemeClr>
-                </a:solidFill>
-              </a:rPr>
-              <a:t>истемы </a:t>
-            </a:r>
-            <a:r>
-              <a:rPr lang="ru-RU" sz="6000" dirty="0" smtClean="0">
-                <a:solidFill>
-                  <a:schemeClr val="accent6">
-                    <a:lumMod val="60000"/>
-                    <a:lumOff val="40000"/>
-                  </a:schemeClr>
-                </a:solidFill>
-              </a:rPr>
-              <a:t/>
+              <a:t>системы </a:t>
             </a:r>
             <a:br>
               <a:rPr lang="ru-RU" sz="6000" dirty="0" smtClean="0">
@@ -19009,17 +19097,6 @@
                 </a:solidFill>
               </a:rPr>
               <a:t>контроля </a:t>
-            </a:r>
-            <a:r>
-              <a:rPr lang="ru-RU" sz="6000" dirty="0" smtClean="0">
-                <a:solidFill>
-                  <a:schemeClr val="accent6">
-                    <a:lumMod val="60000"/>
-                    <a:lumOff val="40000"/>
-                  </a:schemeClr>
-                </a:solidFill>
-              </a:rPr>
-              <a:t/>
             </a:r>
             <a:br>
               <a:rPr lang="ru-RU" sz="6000" dirty="0" smtClean="0">
@@ -19250,8 +19327,8 @@
         </p:nvSpPr>
         <p:spPr>
           <a:xfrm>
-            <a:off x="1293091" y="89609"/>
-            <a:ext cx="7406945" cy="976585"/>
+            <a:off x="591478" y="80373"/>
+            <a:ext cx="8478982" cy="976585"/>
           </a:xfrm>
         </p:spPr>
         <p:txBody>
@@ -19267,18 +19344,7 @@
                   </a:schemeClr>
                 </a:solidFill>
               </a:rPr>
-              <a:t>Клиент </a:t>
-            </a:r>
-            <a:r>
-              <a:rPr lang="en-US" sz="3600" dirty="0" smtClean="0">
-                <a:solidFill>
-                  <a:schemeClr val="accent6">
-                    <a:lumMod val="60000"/>
-                    <a:lumOff val="40000"/>
-                  </a:schemeClr>
-                </a:solidFill>
-              </a:rPr>
-              <a:t>VCS</a:t>
+              <a:t>Принцип хранения данных</a:t>
             </a:r>
             <a:endParaRPr lang="ru-RU" sz="5400" dirty="0">
               <a:solidFill>
@@ -19293,7 +19359,7 @@
       </p:sp>
       <p:sp>
         <p:nvSpPr>
-          <p:cNvPr id="4" name="TextBox 3"/>
+          <p:cNvPr id="12" name="TextBox 11"/>
           <p:cNvSpPr txBox="1"/>
           <p:nvPr/>
         </p:nvSpPr>
@@ -19314,7 +19380,7 @@
           <a:lstStyle/>
           <a:p>
             <a:pPr algn="ctr"/>
-            <a:fld id="{34074BCA-7F77-4C69-83B9-16E6B9590AD4}" type="slidenum">
+            <a:fld id="{FF30D09F-4081-4552-9B18-B8CD88F7E291}" type="slidenum">
               <a:rPr lang="ru-RU" sz="2400" smtClean="0">
                 <a:solidFill>
                   <a:schemeClr val="accent6">
@@ -19344,22 +19410,28 @@
       </p:sp>
       <p:pic>
         <p:nvPicPr>
-          <p:cNvPr id="2" name="Рисунок 1"/>
+          <p:cNvPr id="4" name="Рисунок 3"/>
           <p:cNvPicPr>
             <a:picLocks noChangeAspect="1"/>
           </p:cNvPicPr>
           <p:nvPr/>
         </p:nvPicPr>
         <p:blipFill>
-          <a:blip r:embed="rId3"/>
+          <a:blip r:embed="rId3">
+            <a:extLst>
+              <a:ext uri="{28A0092B-C50C-407E-A947-70E740481C1C}">
+                <a14:useLocalDpi xmlns:a14="http://schemas.microsoft.com/office/drawing/2010/main" val="0"/>
+              </a:ext>
+            </a:extLst>
+          </a:blip>
           <a:stretch>
             <a:fillRect/>
           </a:stretch>
         </p:blipFill>
         <p:spPr>
           <a:xfrm>
-            <a:off x="1293091" y="1000382"/>
-            <a:ext cx="9084652" cy="5562031"/>
+            <a:off x="591478" y="969690"/>
+            <a:ext cx="10661940" cy="5545602"/>
           </a:xfrm>
           <a:prstGeom prst="rect">
             <a:avLst/>
@@ -19369,7 +19441,7 @@
     </p:spTree>
     <p:extLst>
       <p:ext uri="{BB962C8B-B14F-4D97-AF65-F5344CB8AC3E}">
-        <p14:creationId xmlns:p14="http://schemas.microsoft.com/office/powerpoint/2010/main" val="1638305933"/>
+        <p14:creationId xmlns:p14="http://schemas.microsoft.com/office/powerpoint/2010/main" val="4205472346"/>
       </p:ext>
     </p:extLst>
   </p:cSld>
@@ -19421,7 +19493,178 @@
         </p:nvSpPr>
         <p:spPr>
           <a:xfrm>
-            <a:off x="1293091" y="89609"/>
+            <a:off x="637308" y="145028"/>
+            <a:ext cx="7406945" cy="976585"/>
+          </a:xfrm>
+        </p:spPr>
+        <p:txBody>
+          <a:bodyPr/>
+          <a:lstStyle/>
+          <a:p>
+            <a:r>
+              <a:rPr lang="ru-RU" sz="3600" dirty="0" smtClean="0">
+                <a:solidFill>
+                  <a:schemeClr val="accent6">
+                    <a:lumMod val="60000"/>
+                    <a:lumOff val="40000"/>
+                  </a:schemeClr>
+                </a:solidFill>
+              </a:rPr>
+              <a:t>Клиент </a:t>
+            </a:r>
+            <a:r>
+              <a:rPr lang="en-US" sz="3600" dirty="0" smtClean="0">
+                <a:solidFill>
+                  <a:schemeClr val="accent6">
+                    <a:lumMod val="60000"/>
+                    <a:lumOff val="40000"/>
+                  </a:schemeClr>
+                </a:solidFill>
+              </a:rPr>
+              <a:t>VCS</a:t>
+            </a:r>
+            <a:endParaRPr lang="ru-RU" sz="5400" dirty="0">
+              <a:solidFill>
+                <a:schemeClr val="accent6">
+                  <a:lumMod val="60000"/>
+                  <a:lumOff val="40000"/>
+                </a:schemeClr>
+              </a:solidFill>
+            </a:endParaRPr>
+          </a:p>
+        </p:txBody>
+      </p:sp>
+      <p:sp>
+        <p:nvSpPr>
+          <p:cNvPr id="4" name="TextBox 3"/>
+          <p:cNvSpPr txBox="1"/>
+          <p:nvPr/>
+        </p:nvSpPr>
+        <p:spPr>
+          <a:xfrm>
+            <a:off x="11342254" y="6193035"/>
+            <a:ext cx="775855" cy="461665"/>
+          </a:xfrm>
+          <a:prstGeom prst="rect">
+            <a:avLst/>
+          </a:prstGeom>
+          <a:noFill/>
+        </p:spPr>
+        <p:txBody>
+          <a:bodyPr wrap="square" rtlCol="0">
+            <a:spAutoFit/>
+          </a:bodyPr>
+          <a:lstStyle/>
+          <a:p>
+            <a:pPr algn="ctr"/>
+            <a:fld id="{34074BCA-7F77-4C69-83B9-16E6B9590AD4}" type="slidenum">
+              <a:rPr lang="ru-RU" sz="2400" smtClean="0">
+                <a:solidFill>
+                  <a:schemeClr val="accent6">
+                    <a:lumMod val="60000"/>
+                    <a:lumOff val="40000"/>
+                  </a:schemeClr>
+                </a:solidFill>
+                <a:latin typeface="Roboto" panose="020B0604020202020204" charset="0"/>
+                <a:ea typeface="Roboto" panose="020B0604020202020204" charset="0"/>
+                <a:cs typeface="Roboto" panose="020B0604020202020204" charset="0"/>
+              </a:rPr>
+              <a:t>11</a:t>
+            </a:fld>
+            <a:endParaRPr lang="ru-RU" sz="2400" dirty="0">
+              <a:solidFill>
+                <a:schemeClr val="accent6">
+                  <a:lumMod val="60000"/>
+                  <a:lumOff val="40000"/>
+                </a:schemeClr>
+              </a:solidFill>
+              <a:latin typeface="Roboto" panose="020B0604020202020204" charset="0"/>
+              <a:ea typeface="Roboto" panose="020B0604020202020204" charset="0"/>
+              <a:cs typeface="Roboto" panose="020B0604020202020204" charset="0"/>
+            </a:endParaRPr>
+          </a:p>
+        </p:txBody>
+      </p:sp>
+      <p:pic>
+        <p:nvPicPr>
+          <p:cNvPr id="2" name="Рисунок 1"/>
+          <p:cNvPicPr>
+            <a:picLocks noChangeAspect="1"/>
+          </p:cNvPicPr>
+          <p:nvPr/>
+        </p:nvPicPr>
+        <p:blipFill>
+          <a:blip r:embed="rId3"/>
+          <a:stretch>
+            <a:fillRect/>
+          </a:stretch>
+        </p:blipFill>
+        <p:spPr>
+          <a:xfrm>
+            <a:off x="1348507" y="1000382"/>
+            <a:ext cx="9084652" cy="5562031"/>
+          </a:xfrm>
+          <a:prstGeom prst="rect">
+            <a:avLst/>
+          </a:prstGeom>
+        </p:spPr>
+      </p:pic>
+    </p:spTree>
+    <p:extLst>
+      <p:ext uri="{BB962C8B-B14F-4D97-AF65-F5344CB8AC3E}">
+        <p14:creationId xmlns:p14="http://schemas.microsoft.com/office/powerpoint/2010/main" val="1638305933"/>
+      </p:ext>
+    </p:extLst>
+  </p:cSld>
+  <p:clrMapOvr>
+    <a:masterClrMapping/>
+  </p:clrMapOvr>
+  <p:timing>
+    <p:tnLst>
+      <p:par>
+        <p:cTn id="1" dur="indefinite" restart="never" nodeType="tmRoot"/>
+      </p:par>
+    </p:tnLst>
+  </p:timing>
+</p:sld>
+</file>
+
+<file path=ppt/slides/slide12.xml><?xml version="1.0" encoding="utf-8"?>
+<p:sld xmlns:a="http://schemas.openxmlformats.org/drawingml/2006/main" xmlns:r="http://schemas.openxmlformats.org/officeDocument/2006/relationships" xmlns:p="http://schemas.openxmlformats.org/presentationml/2006/main">
+  <p:cSld>
+    <p:spTree>
+      <p:nvGrpSpPr>
+        <p:cNvPr id="1" name="Shape 511"/>
+        <p:cNvGrpSpPr/>
+        <p:nvPr/>
+      </p:nvGrpSpPr>
+      <p:grpSpPr>
+        <a:xfrm>
+          <a:off x="0" y="0"/>
+          <a:ext cx="0" cy="0"/>
+          <a:chOff x="0" y="0"/>
+          <a:chExt cx="0" cy="0"/>
+        </a:xfrm>
+      </p:grpSpPr>
+      <p:sp>
+        <p:nvSpPr>
+          <p:cNvPr id="3" name="Заголовок 2">
+            <a:extLst>
+              <a:ext uri="{FF2B5EF4-FFF2-40B4-BE49-F238E27FC236}">
+                <a16:creationId xmlns:a16="http://schemas.microsoft.com/office/drawing/2014/main" id="{119CE4A6-6B74-A1AA-DC1B-C372711939E7}"/>
+              </a:ext>
+            </a:extLst>
+          </p:cNvPr>
+          <p:cNvSpPr>
+            <a:spLocks noGrp="1"/>
+          </p:cNvSpPr>
+          <p:nvPr>
+            <p:ph type="title"/>
+          </p:nvPr>
+        </p:nvSpPr>
+        <p:spPr>
+          <a:xfrm>
+            <a:off x="544010" y="135791"/>
             <a:ext cx="7406945" cy="976585"/>
           </a:xfrm>
         </p:spPr>
@@ -19497,7 +19740,7 @@
                 <a:ea typeface="Roboto" panose="020B0604020202020204" charset="0"/>
                 <a:cs typeface="Roboto" panose="020B0604020202020204" charset="0"/>
               </a:rPr>
-              <a:t>11</a:t>
+              <a:t>12</a:t>
             </a:fld>
             <a:endParaRPr lang="ru-RU" sz="2400" dirty="0">
               <a:solidFill>
@@ -19515,7 +19758,7 @@
       </p:sp>
       <p:pic>
         <p:nvPicPr>
-          <p:cNvPr id="2" name="Рисунок 1"/>
+          <p:cNvPr id="7" name="Рисунок 6"/>
           <p:cNvPicPr>
             <a:picLocks noChangeAspect="1"/>
           </p:cNvPicPr>
@@ -19523,13 +19766,13 @@
         </p:nvPicPr>
         <p:blipFill rotWithShape="1">
           <a:blip r:embed="rId3"/>
-          <a:srcRect l="4467" t="559" r="4564" b="1"/>
+          <a:srcRect t="1163" r="1053" b="1327"/>
           <a:stretch/>
         </p:blipFill>
         <p:spPr>
           <a:xfrm>
-            <a:off x="1293091" y="960943"/>
-            <a:ext cx="9855200" cy="5232092"/>
+            <a:off x="544010" y="1030053"/>
+            <a:ext cx="10679459" cy="5393814"/>
           </a:xfrm>
           <a:prstGeom prst="rect">
             <a:avLst/>
@@ -19556,7 +19799,7 @@
 </p:sld>
 </file>
 
-<file path=ppt/slides/slide12.xml><?xml version="1.0" encoding="utf-8"?>
+<file path=ppt/slides/slide13.xml><?xml version="1.0" encoding="utf-8"?>
 <p:sld xmlns:a="http://schemas.openxmlformats.org/drawingml/2006/main" xmlns:r="http://schemas.openxmlformats.org/officeDocument/2006/relationships" xmlns:p="http://schemas.openxmlformats.org/presentationml/2006/main">
   <p:cSld>
     <p:spTree>
@@ -19573,283 +19816,6 @@
           <a:chExt cx="0" cy="0"/>
         </a:xfrm>
       </p:grpSpPr>
-      <p:pic>
-        <p:nvPicPr>
-          <p:cNvPr id="7" name="Рисунок 6"/>
-          <p:cNvPicPr>
-            <a:picLocks noChangeAspect="1"/>
-          </p:cNvPicPr>
-          <p:nvPr/>
-        </p:nvPicPr>
-        <p:blipFill>
-          <a:blip r:embed="rId3"/>
-          <a:stretch>
-            <a:fillRect/>
-          </a:stretch>
-        </p:blipFill>
-        <p:spPr>
-          <a:xfrm>
-            <a:off x="0" y="0"/>
-            <a:ext cx="12192000" cy="6858000"/>
-          </a:xfrm>
-          <a:prstGeom prst="rect">
-            <a:avLst/>
-          </a:prstGeom>
-        </p:spPr>
-      </p:pic>
-      <p:sp>
-        <p:nvSpPr>
-          <p:cNvPr id="512" name="Google Shape;512;p35"/>
-          <p:cNvSpPr/>
-          <p:nvPr/>
-        </p:nvSpPr>
-        <p:spPr>
-          <a:xfrm>
-            <a:off x="4525818" y="230906"/>
-            <a:ext cx="7075055" cy="5845148"/>
-          </a:xfrm>
-          <a:prstGeom prst="roundRect">
-            <a:avLst>
-              <a:gd name="adj" fmla="val 3539"/>
-            </a:avLst>
-          </a:prstGeom>
-          <a:solidFill>
-            <a:schemeClr val="tx1"/>
-          </a:solidFill>
-          <a:ln>
-            <a:noFill/>
-          </a:ln>
-          <a:effectLst>
-            <a:outerShdw blurRad="63500" sx="102000" sy="102000" algn="ctr" rotWithShape="0">
-              <a:srgbClr val="000000">
-                <a:alpha val="9800"/>
-              </a:srgbClr>
-            </a:outerShdw>
-          </a:effectLst>
-        </p:spPr>
-        <p:txBody>
-          <a:bodyPr spcFirstLastPara="1" wrap="square" lIns="91425" tIns="45700" rIns="91425" bIns="45700" anchor="ctr" anchorCtr="0">
-            <a:noAutofit/>
-          </a:bodyPr>
-          <a:lstStyle/>
-          <a:p>
-            <a:pPr marL="0" marR="0" lvl="0" indent="0" algn="ctr" rtl="0">
-              <a:spcBef>
-                <a:spcPts val="0"/>
-              </a:spcBef>
-              <a:spcAft>
-                <a:spcPts val="0"/>
-              </a:spcAft>
-              <a:buNone/>
-            </a:pPr>
-            <a:endParaRPr sz="1800" b="0" i="0" u="none" strike="noStrike" cap="none">
-              <a:solidFill>
-                <a:srgbClr val="FFFFFF"/>
-              </a:solidFill>
-              <a:latin typeface="Calibri"/>
-              <a:ea typeface="Calibri"/>
-              <a:cs typeface="Calibri"/>
-              <a:sym typeface="Calibri"/>
-            </a:endParaRPr>
-          </a:p>
-        </p:txBody>
-      </p:sp>
-      <p:grpSp>
-        <p:nvGrpSpPr>
-          <p:cNvPr id="520" name="Google Shape;520;p35"/>
-          <p:cNvGrpSpPr/>
-          <p:nvPr/>
-        </p:nvGrpSpPr>
-        <p:grpSpPr>
-          <a:xfrm>
-            <a:off x="4704705" y="395015"/>
-            <a:ext cx="635280" cy="147600"/>
-            <a:chOff x="2147366" y="4139382"/>
-            <a:chExt cx="635280" cy="147600"/>
-          </a:xfrm>
-        </p:grpSpPr>
-        <p:sp>
-          <p:nvSpPr>
-            <p:cNvPr id="521" name="Google Shape;521;p35"/>
-            <p:cNvSpPr/>
-            <p:nvPr/>
-          </p:nvSpPr>
-          <p:spPr>
-            <a:xfrm>
-              <a:off x="2147366" y="4139382"/>
-              <a:ext cx="147600" cy="147600"/>
-            </a:xfrm>
-            <a:prstGeom prst="ellipse">
-              <a:avLst/>
-            </a:prstGeom>
-            <a:solidFill>
-              <a:schemeClr val="accent4"/>
-            </a:solidFill>
-            <a:ln>
-              <a:noFill/>
-            </a:ln>
-          </p:spPr>
-          <p:txBody>
-            <a:bodyPr spcFirstLastPara="1" wrap="square" lIns="91425" tIns="45700" rIns="91425" bIns="45700" anchor="ctr" anchorCtr="0">
-              <a:noAutofit/>
-            </a:bodyPr>
-            <a:lstStyle/>
-            <a:p>
-              <a:pPr marL="0" marR="0" lvl="0" indent="0" algn="ctr" rtl="0">
-                <a:spcBef>
-                  <a:spcPts val="0"/>
-                </a:spcBef>
-                <a:spcAft>
-                  <a:spcPts val="0"/>
-                </a:spcAft>
-                <a:buNone/>
-              </a:pPr>
-              <a:endParaRPr sz="1800" b="0" i="0" u="none" strike="noStrike" cap="none">
-                <a:solidFill>
-                  <a:srgbClr val="FFFFFF"/>
-                </a:solidFill>
-                <a:latin typeface="Calibri"/>
-                <a:ea typeface="Calibri"/>
-                <a:cs typeface="Calibri"/>
-                <a:sym typeface="Calibri"/>
-              </a:endParaRPr>
-            </a:p>
-          </p:txBody>
-        </p:sp>
-        <p:sp>
-          <p:nvSpPr>
-            <p:cNvPr id="522" name="Google Shape;522;p35"/>
-            <p:cNvSpPr/>
-            <p:nvPr/>
-          </p:nvSpPr>
-          <p:spPr>
-            <a:xfrm>
-              <a:off x="2391206" y="4139382"/>
-              <a:ext cx="147600" cy="147600"/>
-            </a:xfrm>
-            <a:prstGeom prst="ellipse">
-              <a:avLst/>
-            </a:prstGeom>
-            <a:solidFill>
-              <a:schemeClr val="accent5"/>
-            </a:solidFill>
-            <a:ln>
-              <a:noFill/>
-            </a:ln>
-          </p:spPr>
-          <p:txBody>
-            <a:bodyPr spcFirstLastPara="1" wrap="square" lIns="91425" tIns="45700" rIns="91425" bIns="45700" anchor="ctr" anchorCtr="0">
-              <a:noAutofit/>
-            </a:bodyPr>
-            <a:lstStyle/>
-            <a:p>
-              <a:pPr marL="0" marR="0" lvl="0" indent="0" algn="ctr" rtl="0">
-                <a:spcBef>
-                  <a:spcPts val="0"/>
-                </a:spcBef>
-                <a:spcAft>
-                  <a:spcPts val="0"/>
-                </a:spcAft>
-                <a:buNone/>
-              </a:pPr>
-              <a:endParaRPr sz="1800" b="0" i="0" u="none" strike="noStrike" cap="none">
-                <a:solidFill>
-                  <a:srgbClr val="FFFFFF"/>
-                </a:solidFill>
-                <a:latin typeface="Calibri"/>
-                <a:ea typeface="Calibri"/>
-                <a:cs typeface="Calibri"/>
-                <a:sym typeface="Calibri"/>
-              </a:endParaRPr>
-            </a:p>
-          </p:txBody>
-        </p:sp>
-        <p:sp>
-          <p:nvSpPr>
-            <p:cNvPr id="523" name="Google Shape;523;p35"/>
-            <p:cNvSpPr/>
-            <p:nvPr/>
-          </p:nvSpPr>
-          <p:spPr>
-            <a:xfrm>
-              <a:off x="2635046" y="4139382"/>
-              <a:ext cx="147600" cy="147600"/>
-            </a:xfrm>
-            <a:prstGeom prst="ellipse">
-              <a:avLst/>
-            </a:prstGeom>
-            <a:solidFill>
-              <a:schemeClr val="accent6"/>
-            </a:solidFill>
-            <a:ln>
-              <a:noFill/>
-            </a:ln>
-          </p:spPr>
-          <p:txBody>
-            <a:bodyPr spcFirstLastPara="1" wrap="square" lIns="91425" tIns="45700" rIns="91425" bIns="45700" anchor="ctr" anchorCtr="0">
-              <a:noAutofit/>
-            </a:bodyPr>
-            <a:lstStyle/>
-            <a:p>
-              <a:pPr marL="0" marR="0" lvl="0" indent="0" algn="ctr" rtl="0">
-                <a:spcBef>
-                  <a:spcPts val="0"/>
-                </a:spcBef>
-                <a:spcAft>
-                  <a:spcPts val="0"/>
-                </a:spcAft>
-                <a:buNone/>
-              </a:pPr>
-              <a:endParaRPr sz="1800" b="0" i="0" u="none" strike="noStrike" cap="none">
-                <a:solidFill>
-                  <a:srgbClr val="FFFFFF"/>
-                </a:solidFill>
-                <a:latin typeface="Calibri"/>
-                <a:ea typeface="Calibri"/>
-                <a:cs typeface="Calibri"/>
-                <a:sym typeface="Calibri"/>
-              </a:endParaRPr>
-            </a:p>
-          </p:txBody>
-        </p:sp>
-      </p:grpSp>
-      <p:sp>
-        <p:nvSpPr>
-          <p:cNvPr id="3" name="Заголовок 2">
-            <a:extLst>
-              <a:ext uri="{FF2B5EF4-FFF2-40B4-BE49-F238E27FC236}">
-                <a16:creationId xmlns:a16="http://schemas.microsoft.com/office/drawing/2014/main" id="{119CE4A6-6B74-A1AA-DC1B-C372711939E7}"/>
-              </a:ext>
-            </a:extLst>
-          </p:cNvPr>
-          <p:cNvSpPr>
-            <a:spLocks noGrp="1"/>
-          </p:cNvSpPr>
-          <p:nvPr>
-            <p:ph type="title"/>
-          </p:nvPr>
-        </p:nvSpPr>
-        <p:spPr>
-          <a:xfrm>
-            <a:off x="472261" y="226779"/>
-            <a:ext cx="4793924" cy="804230"/>
-          </a:xfrm>
-        </p:spPr>
-        <p:txBody>
-          <a:bodyPr/>
-          <a:lstStyle/>
-          <a:p>
-            <a:r>
-              <a:rPr lang="ru-RU" sz="4000" dirty="0">
-                <a:solidFill>
-                  <a:schemeClr val="accent6"/>
-                </a:solidFill>
-              </a:rPr>
-              <a:t>Модели БД</a:t>
-            </a:r>
-          </a:p>
-        </p:txBody>
-      </p:sp>
       <p:sp>
         <p:nvSpPr>
           <p:cNvPr id="10" name="TextBox 9"/>
@@ -19882,7 +19848,7 @@
                 <a:ea typeface="Roboto" panose="020B0604020202020204" charset="0"/>
                 <a:cs typeface="Roboto" panose="020B0604020202020204" charset="0"/>
               </a:rPr>
-              <a:t>12</a:t>
+              <a:t>13</a:t>
             </a:fld>
             <a:endParaRPr lang="ru-RU" sz="2400" dirty="0">
               <a:solidFill>
@@ -19897,14 +19863,14 @@
       </p:sp>
       <p:pic>
         <p:nvPicPr>
-          <p:cNvPr id="2" name="Рисунок 1"/>
+          <p:cNvPr id="4" name="Рисунок 3"/>
           <p:cNvPicPr>
             <a:picLocks noChangeAspect="1"/>
           </p:cNvPicPr>
           <p:nvPr/>
         </p:nvPicPr>
         <p:blipFill>
-          <a:blip r:embed="rId4">
+          <a:blip r:embed="rId3">
             <a:extLst>
               <a:ext uri="{28A0092B-C50C-407E-A947-70E740481C1C}">
                 <a14:useLocalDpi xmlns:a14="http://schemas.microsoft.com/office/drawing/2010/main" val="0"/>
@@ -19917,14 +19883,315 @@
         </p:blipFill>
         <p:spPr>
           <a:xfrm>
-            <a:off x="4590472" y="585331"/>
-            <a:ext cx="6945745" cy="5434595"/>
+            <a:off x="371908" y="1728074"/>
+            <a:ext cx="11506056" cy="3915343"/>
           </a:xfrm>
           <a:prstGeom prst="rect">
             <a:avLst/>
           </a:prstGeom>
         </p:spPr>
       </p:pic>
+      <p:sp>
+        <p:nvSpPr>
+          <p:cNvPr id="12" name="Заголовок 2">
+            <a:extLst>
+              <a:ext uri="{FF2B5EF4-FFF2-40B4-BE49-F238E27FC236}">
+                <a16:creationId xmlns:a16="http://schemas.microsoft.com/office/drawing/2014/main" id="{119CE4A6-6B74-A1AA-DC1B-C372711939E7}"/>
+              </a:ext>
+            </a:extLst>
+          </p:cNvPr>
+          <p:cNvSpPr txBox="1">
+            <a:spLocks/>
+          </p:cNvSpPr>
+          <p:nvPr/>
+        </p:nvSpPr>
+        <p:spPr>
+          <a:xfrm>
+            <a:off x="489528" y="311281"/>
+            <a:ext cx="7406945" cy="976585"/>
+          </a:xfrm>
+          <a:prstGeom prst="rect">
+            <a:avLst/>
+          </a:prstGeom>
+          <a:noFill/>
+          <a:ln>
+            <a:noFill/>
+          </a:ln>
+        </p:spPr>
+        <p:txBody>
+          <a:bodyPr spcFirstLastPara="1" wrap="square" lIns="121900" tIns="121900" rIns="121900" bIns="121900" anchor="ctr" anchorCtr="0">
+            <a:noAutofit/>
+          </a:bodyPr>
+          <a:lstStyle>
+            <a:defPPr marR="0" lvl="0" algn="l" rtl="0">
+              <a:lnSpc>
+                <a:spcPct val="100000"/>
+              </a:lnSpc>
+              <a:spcBef>
+                <a:spcPts val="0"/>
+              </a:spcBef>
+              <a:spcAft>
+                <a:spcPts val="0"/>
+              </a:spcAft>
+            </a:defPPr>
+            <a:lvl1pPr marR="0" lvl="0" algn="l" rtl="0">
+              <a:lnSpc>
+                <a:spcPct val="80000"/>
+              </a:lnSpc>
+              <a:spcBef>
+                <a:spcPts val="0"/>
+              </a:spcBef>
+              <a:spcAft>
+                <a:spcPts val="0"/>
+              </a:spcAft>
+              <a:buClr>
+                <a:schemeClr val="dk1"/>
+              </a:buClr>
+              <a:buSzPts val="6000"/>
+              <a:buFont typeface="Roboto"/>
+              <a:buNone/>
+              <a:defRPr sz="6000" b="1" i="0" u="none" strike="noStrike" cap="none">
+                <a:solidFill>
+                  <a:schemeClr val="dk1"/>
+                </a:solidFill>
+                <a:latin typeface="Roboto"/>
+                <a:ea typeface="Roboto"/>
+                <a:cs typeface="Roboto"/>
+                <a:sym typeface="Roboto"/>
+              </a:defRPr>
+            </a:lvl1pPr>
+            <a:lvl2pPr marR="0" lvl="1" algn="l" rtl="0">
+              <a:lnSpc>
+                <a:spcPct val="80000"/>
+              </a:lnSpc>
+              <a:spcBef>
+                <a:spcPts val="0"/>
+              </a:spcBef>
+              <a:spcAft>
+                <a:spcPts val="0"/>
+              </a:spcAft>
+              <a:buClr>
+                <a:schemeClr val="dk1"/>
+              </a:buClr>
+              <a:buSzPts val="15000"/>
+              <a:buFont typeface="Roboto"/>
+              <a:buNone/>
+              <a:defRPr sz="15000" b="1" i="0" u="none" strike="noStrike" cap="none">
+                <a:solidFill>
+                  <a:schemeClr val="dk1"/>
+                </a:solidFill>
+                <a:latin typeface="Roboto"/>
+                <a:ea typeface="Roboto"/>
+                <a:cs typeface="Roboto"/>
+                <a:sym typeface="Roboto"/>
+              </a:defRPr>
+            </a:lvl2pPr>
+            <a:lvl3pPr marR="0" lvl="2" algn="l" rtl="0">
+              <a:lnSpc>
+                <a:spcPct val="80000"/>
+              </a:lnSpc>
+              <a:spcBef>
+                <a:spcPts val="0"/>
+              </a:spcBef>
+              <a:spcAft>
+                <a:spcPts val="0"/>
+              </a:spcAft>
+              <a:buClr>
+                <a:schemeClr val="dk1"/>
+              </a:buClr>
+              <a:buSzPts val="15000"/>
+              <a:buFont typeface="Roboto"/>
+              <a:buNone/>
+              <a:defRPr sz="15000" b="1" i="0" u="none" strike="noStrike" cap="none">
+                <a:solidFill>
+                  <a:schemeClr val="dk1"/>
+                </a:solidFill>
+                <a:latin typeface="Roboto"/>
+                <a:ea typeface="Roboto"/>
+                <a:cs typeface="Roboto"/>
+                <a:sym typeface="Roboto"/>
+              </a:defRPr>
+            </a:lvl3pPr>
+            <a:lvl4pPr marR="0" lvl="3" algn="l" rtl="0">
+              <a:lnSpc>
+                <a:spcPct val="80000"/>
+              </a:lnSpc>
+              <a:spcBef>
+                <a:spcPts val="0"/>
+              </a:spcBef>
+              <a:spcAft>
+                <a:spcPts val="0"/>
+              </a:spcAft>
+              <a:buClr>
+                <a:schemeClr val="dk1"/>
+              </a:buClr>
+              <a:buSzPts val="15000"/>
+              <a:buFont typeface="Roboto"/>
+              <a:buNone/>
+              <a:defRPr sz="15000" b="1" i="0" u="none" strike="noStrike" cap="none">
+                <a:solidFill>
+                  <a:schemeClr val="dk1"/>
+                </a:solidFill>
+                <a:latin typeface="Roboto"/>
+                <a:ea typeface="Roboto"/>
+                <a:cs typeface="Roboto"/>
+                <a:sym typeface="Roboto"/>
+              </a:defRPr>
+            </a:lvl4pPr>
+            <a:lvl5pPr marR="0" lvl="4" algn="l" rtl="0">
+              <a:lnSpc>
+                <a:spcPct val="80000"/>
+              </a:lnSpc>
+              <a:spcBef>
+                <a:spcPts val="0"/>
+              </a:spcBef>
+              <a:spcAft>
+                <a:spcPts val="0"/>
+              </a:spcAft>
+              <a:buClr>
+                <a:schemeClr val="dk1"/>
+              </a:buClr>
+              <a:buSzPts val="15000"/>
+              <a:buFont typeface="Roboto"/>
+              <a:buNone/>
+              <a:defRPr sz="15000" b="1" i="0" u="none" strike="noStrike" cap="none">
+                <a:solidFill>
+                  <a:schemeClr val="dk1"/>
+                </a:solidFill>
+                <a:latin typeface="Roboto"/>
+                <a:ea typeface="Roboto"/>
+                <a:cs typeface="Roboto"/>
+                <a:sym typeface="Roboto"/>
+              </a:defRPr>
+            </a:lvl5pPr>
+            <a:lvl6pPr marR="0" lvl="5" algn="l" rtl="0">
+              <a:lnSpc>
+                <a:spcPct val="80000"/>
+              </a:lnSpc>
+              <a:spcBef>
+                <a:spcPts val="0"/>
+              </a:spcBef>
+              <a:spcAft>
+                <a:spcPts val="0"/>
+              </a:spcAft>
+              <a:buClr>
+                <a:schemeClr val="dk1"/>
+              </a:buClr>
+              <a:buSzPts val="15000"/>
+              <a:buFont typeface="Roboto"/>
+              <a:buNone/>
+              <a:defRPr sz="15000" b="1" i="0" u="none" strike="noStrike" cap="none">
+                <a:solidFill>
+                  <a:schemeClr val="dk1"/>
+                </a:solidFill>
+                <a:latin typeface="Roboto"/>
+                <a:ea typeface="Roboto"/>
+                <a:cs typeface="Roboto"/>
+                <a:sym typeface="Roboto"/>
+              </a:defRPr>
+            </a:lvl6pPr>
+            <a:lvl7pPr marR="0" lvl="6" algn="l" rtl="0">
+              <a:lnSpc>
+                <a:spcPct val="80000"/>
+              </a:lnSpc>
+              <a:spcBef>
+                <a:spcPts val="0"/>
+              </a:spcBef>
+              <a:spcAft>
+                <a:spcPts val="0"/>
+              </a:spcAft>
+              <a:buClr>
+                <a:schemeClr val="dk1"/>
+              </a:buClr>
+              <a:buSzPts val="15000"/>
+              <a:buFont typeface="Roboto"/>
+              <a:buNone/>
+              <a:defRPr sz="15000" b="1" i="0" u="none" strike="noStrike" cap="none">
+                <a:solidFill>
+                  <a:schemeClr val="dk1"/>
+                </a:solidFill>
+                <a:latin typeface="Roboto"/>
+                <a:ea typeface="Roboto"/>
+                <a:cs typeface="Roboto"/>
+                <a:sym typeface="Roboto"/>
+              </a:defRPr>
+            </a:lvl7pPr>
+            <a:lvl8pPr marR="0" lvl="7" algn="l" rtl="0">
+              <a:lnSpc>
+                <a:spcPct val="80000"/>
+              </a:lnSpc>
+              <a:spcBef>
+                <a:spcPts val="0"/>
+              </a:spcBef>
+              <a:spcAft>
+                <a:spcPts val="0"/>
+              </a:spcAft>
+              <a:buClr>
+                <a:schemeClr val="dk1"/>
+              </a:buClr>
+              <a:buSzPts val="15000"/>
+              <a:buFont typeface="Roboto"/>
+              <a:buNone/>
+              <a:defRPr sz="15000" b="1" i="0" u="none" strike="noStrike" cap="none">
+                <a:solidFill>
+                  <a:schemeClr val="dk1"/>
+                </a:solidFill>
+                <a:latin typeface="Roboto"/>
+                <a:ea typeface="Roboto"/>
+                <a:cs typeface="Roboto"/>
+                <a:sym typeface="Roboto"/>
+              </a:defRPr>
+            </a:lvl8pPr>
+            <a:lvl9pPr marR="0" lvl="8" algn="l" rtl="0">
+              <a:lnSpc>
+                <a:spcPct val="80000"/>
+              </a:lnSpc>
+              <a:spcBef>
+                <a:spcPts val="0"/>
+              </a:spcBef>
+              <a:spcAft>
+                <a:spcPts val="0"/>
+              </a:spcAft>
+              <a:buClr>
+                <a:schemeClr val="dk1"/>
+              </a:buClr>
+              <a:buSzPts val="15000"/>
+              <a:buFont typeface="Roboto"/>
+              <a:buNone/>
+              <a:defRPr sz="15000" b="1" i="0" u="none" strike="noStrike" cap="none">
+                <a:solidFill>
+                  <a:schemeClr val="dk1"/>
+                </a:solidFill>
+                <a:latin typeface="Roboto"/>
+                <a:ea typeface="Roboto"/>
+                <a:cs typeface="Roboto"/>
+                <a:sym typeface="Roboto"/>
+              </a:defRPr>
+            </a:lvl9pPr>
+          </a:lstStyle>
+          <a:p>
+            <a:r>
+              <a:rPr lang="ru-RU" sz="3600" dirty="0">
+                <a:solidFill>
+                  <a:schemeClr val="accent6">
+                    <a:lumMod val="60000"/>
+                    <a:lumOff val="40000"/>
+                  </a:schemeClr>
+                </a:solidFill>
+              </a:rPr>
+              <a:t>Модели БД</a:t>
+            </a:r>
+            <a:endParaRPr lang="ru-RU" sz="5400" dirty="0">
+              <a:solidFill>
+                <a:schemeClr val="accent6">
+                  <a:lumMod val="60000"/>
+                  <a:lumOff val="40000"/>
+                </a:schemeClr>
+              </a:solidFill>
+            </a:endParaRPr>
+          </a:p>
+        </p:txBody>
+      </p:sp>
     </p:spTree>
     <p:extLst>
       <p:ext uri="{BB962C8B-B14F-4D97-AF65-F5344CB8AC3E}">
@@ -19945,7 +20212,7 @@
 </p:sld>
 </file>
 
-<file path=ppt/slides/slide13.xml><?xml version="1.0" encoding="utf-8"?>
+<file path=ppt/slides/slide14.xml><?xml version="1.0" encoding="utf-8"?>
 <p:sld xmlns:a="http://schemas.openxmlformats.org/drawingml/2006/main" xmlns:r="http://schemas.openxmlformats.org/officeDocument/2006/relationships" xmlns:p="http://schemas.openxmlformats.org/presentationml/2006/main">
   <p:cSld>
     <p:spTree>
@@ -20663,7 +20930,7 @@
                 <a:ea typeface="Roboto" panose="020B0604020202020204" charset="0"/>
                 <a:cs typeface="Roboto" panose="020B0604020202020204" charset="0"/>
               </a:rPr>
-              <a:t>13</a:t>
+              <a:t>14</a:t>
             </a:fld>
             <a:endParaRPr lang="ru-RU" sz="2400" dirty="0">
               <a:solidFill>
@@ -20725,7 +20992,7 @@
 </p:sld>
 </file>
 
-<file path=ppt/slides/slide14.xml><?xml version="1.0" encoding="utf-8"?>
+<file path=ppt/slides/slide15.xml><?xml version="1.0" encoding="utf-8"?>
 <p:sld xmlns:a="http://schemas.openxmlformats.org/drawingml/2006/main" xmlns:r="http://schemas.openxmlformats.org/officeDocument/2006/relationships" xmlns:p="http://schemas.openxmlformats.org/presentationml/2006/main">
   <p:cSld>
     <p:spTree>
@@ -26466,7 +26733,7 @@
         </p:nvSpPr>
         <p:spPr>
           <a:xfrm>
-            <a:off x="906683" y="513975"/>
+            <a:off x="842028" y="432950"/>
             <a:ext cx="10110300" cy="763500"/>
           </a:xfrm>
           <a:prstGeom prst="rect">
@@ -26821,7 +27088,7 @@
         </p:blipFill>
         <p:spPr bwMode="auto">
           <a:xfrm>
-            <a:off x="3703542" y="3212524"/>
+            <a:off x="3552558" y="3231653"/>
             <a:ext cx="4550312" cy="1349097"/>
           </a:xfrm>
           <a:prstGeom prst="rect">
@@ -26868,7 +27135,7 @@
         </p:blipFill>
         <p:spPr bwMode="auto">
           <a:xfrm>
-            <a:off x="991017" y="4203757"/>
+            <a:off x="540912" y="3731023"/>
             <a:ext cx="2188482" cy="2188482"/>
           </a:xfrm>
           <a:prstGeom prst="rect">
@@ -27009,8 +27276,8 @@
         </p:blipFill>
         <p:spPr bwMode="auto">
           <a:xfrm>
-            <a:off x="9216056" y="4621672"/>
-            <a:ext cx="1697446" cy="1352652"/>
+            <a:off x="8648982" y="4937760"/>
+            <a:ext cx="1402785" cy="1117844"/>
           </a:xfrm>
           <a:prstGeom prst="rect">
             <a:avLst/>
@@ -27089,8 +27356,49 @@
         </p:blipFill>
         <p:spPr bwMode="auto">
           <a:xfrm>
-            <a:off x="4619286" y="5038237"/>
+            <a:off x="3918246" y="5119517"/>
             <a:ext cx="3084407" cy="936087"/>
+          </a:xfrm>
+          <a:prstGeom prst="rect">
+            <a:avLst/>
+          </a:prstGeom>
+          <a:noFill/>
+          <a:extLst>
+            <a:ext uri="{909E8E84-426E-40DD-AFC4-6F175D3DCCD1}">
+              <a14:hiddenFill xmlns:a14="http://schemas.microsoft.com/office/drawing/2010/main">
+                <a:solidFill>
+                  <a:srgbClr val="FFFFFF"/>
+                </a:solidFill>
+              </a14:hiddenFill>
+            </a:ext>
+          </a:extLst>
+        </p:spPr>
+      </p:pic>
+      <p:pic>
+        <p:nvPicPr>
+          <p:cNvPr id="1030" name="Picture 6" descr="File:Stripe Logo, revised 2016.svg - Wikimedia Commons"/>
+          <p:cNvPicPr>
+            <a:picLocks noChangeAspect="1" noChangeArrowheads="1"/>
+          </p:cNvPicPr>
+          <p:nvPr/>
+        </p:nvPicPr>
+        <p:blipFill>
+          <a:blip r:embed="rId10">
+            <a:extLst>
+              <a:ext uri="{28A0092B-C50C-407E-A947-70E740481C1C}">
+                <a14:useLocalDpi xmlns:a14="http://schemas.microsoft.com/office/drawing/2010/main" val="0"/>
+              </a:ext>
+            </a:extLst>
+          </a:blip>
+          <a:srcRect/>
+          <a:stretch>
+            <a:fillRect/>
+          </a:stretch>
+        </p:blipFill>
+        <p:spPr bwMode="auto">
+          <a:xfrm>
+            <a:off x="9350375" y="3191911"/>
+            <a:ext cx="2262505" cy="1078225"/>
           </a:xfrm>
           <a:prstGeom prst="rect">
             <a:avLst/>
@@ -27144,85 +27452,6 @@
           <a:chExt cx="0" cy="0"/>
         </a:xfrm>
       </p:grpSpPr>
-      <p:pic>
-        <p:nvPicPr>
-          <p:cNvPr id="9" name="Рисунок 8" descr="C:\Users\Админ\Downloads\rkib-appointment-main\docs\Структура VCS.drawio.png"/>
-          <p:cNvPicPr/>
-          <p:nvPr/>
-        </p:nvPicPr>
-        <p:blipFill>
-          <a:blip r:embed="rId3" cstate="print">
-            <a:extLst>
-              <a:ext uri="{28A0092B-C50C-407E-A947-70E740481C1C}">
-                <a14:useLocalDpi xmlns:a14="http://schemas.microsoft.com/office/drawing/2010/main" val="0"/>
-              </a:ext>
-            </a:extLst>
-          </a:blip>
-          <a:srcRect/>
-          <a:stretch>
-            <a:fillRect/>
-          </a:stretch>
-        </p:blipFill>
-        <p:spPr bwMode="auto">
-          <a:xfrm>
-            <a:off x="0" y="0"/>
-            <a:ext cx="12192000" cy="6858000"/>
-          </a:xfrm>
-          <a:prstGeom prst="rect">
-            <a:avLst/>
-          </a:prstGeom>
-          <a:noFill/>
-          <a:ln>
-            <a:noFill/>
-          </a:ln>
-        </p:spPr>
-      </p:pic>
-      <p:sp>
-        <p:nvSpPr>
-          <p:cNvPr id="3" name="Заголовок 2">
-            <a:extLst>
-              <a:ext uri="{FF2B5EF4-FFF2-40B4-BE49-F238E27FC236}">
-                <a16:creationId xmlns:a16="http://schemas.microsoft.com/office/drawing/2014/main" id="{119CE4A6-6B74-A1AA-DC1B-C372711939E7}"/>
-              </a:ext>
-            </a:extLst>
-          </p:cNvPr>
-          <p:cNvSpPr>
-            <a:spLocks noGrp="1"/>
-          </p:cNvSpPr>
-          <p:nvPr>
-            <p:ph type="title"/>
-          </p:nvPr>
-        </p:nvSpPr>
-        <p:spPr>
-          <a:xfrm>
-            <a:off x="316816" y="238857"/>
-            <a:ext cx="7406945" cy="757490"/>
-          </a:xfrm>
-        </p:spPr>
-        <p:txBody>
-          <a:bodyPr/>
-          <a:lstStyle/>
-          <a:p>
-            <a:r>
-              <a:rPr lang="ru-RU" sz="3600" dirty="0" smtClean="0">
-                <a:solidFill>
-                  <a:schemeClr val="accent6">
-                    <a:lumMod val="75000"/>
-                  </a:schemeClr>
-                </a:solidFill>
-              </a:rPr>
-              <a:t>Архитектура приложения</a:t>
-            </a:r>
-            <a:endParaRPr lang="ru-RU" sz="2000" dirty="0">
-              <a:solidFill>
-                <a:schemeClr val="accent6">
-                  <a:lumMod val="75000"/>
-                </a:schemeClr>
-              </a:solidFill>
-            </a:endParaRPr>
-          </a:p>
-        </p:txBody>
-      </p:sp>
       <p:sp>
         <p:nvSpPr>
           <p:cNvPr id="4" name="TextBox 3"/>
@@ -27268,6 +27497,344 @@
               <a:latin typeface="Roboto" panose="020B0604020202020204" charset="0"/>
               <a:ea typeface="Roboto" panose="020B0604020202020204" charset="0"/>
               <a:cs typeface="Roboto" panose="020B0604020202020204" charset="0"/>
+            </a:endParaRPr>
+          </a:p>
+        </p:txBody>
+      </p:sp>
+      <p:pic>
+        <p:nvPicPr>
+          <p:cNvPr id="2" name="Рисунок 1"/>
+          <p:cNvPicPr>
+            <a:picLocks noChangeAspect="1"/>
+          </p:cNvPicPr>
+          <p:nvPr/>
+        </p:nvPicPr>
+        <p:blipFill>
+          <a:blip r:embed="rId3">
+            <a:extLst>
+              <a:ext uri="{28A0092B-C50C-407E-A947-70E740481C1C}">
+                <a14:useLocalDpi xmlns:a14="http://schemas.microsoft.com/office/drawing/2010/main" val="0"/>
+              </a:ext>
+            </a:extLst>
+          </a:blip>
+          <a:stretch>
+            <a:fillRect/>
+          </a:stretch>
+        </p:blipFill>
+        <p:spPr>
+          <a:xfrm>
+            <a:off x="129310" y="209175"/>
+            <a:ext cx="11767127" cy="6578994"/>
+          </a:xfrm>
+          <a:prstGeom prst="rect">
+            <a:avLst/>
+          </a:prstGeom>
+        </p:spPr>
+      </p:pic>
+      <p:sp>
+        <p:nvSpPr>
+          <p:cNvPr id="6" name="Google Shape;424;p27"/>
+          <p:cNvSpPr txBox="1">
+            <a:spLocks/>
+          </p:cNvSpPr>
+          <p:nvPr/>
+        </p:nvSpPr>
+        <p:spPr>
+          <a:xfrm>
+            <a:off x="260138" y="209175"/>
+            <a:ext cx="6842626" cy="763500"/>
+          </a:xfrm>
+          <a:prstGeom prst="rect">
+            <a:avLst/>
+          </a:prstGeom>
+          <a:noFill/>
+          <a:ln>
+            <a:noFill/>
+          </a:ln>
+        </p:spPr>
+        <p:txBody>
+          <a:bodyPr spcFirstLastPara="1" wrap="square" lIns="121900" tIns="121900" rIns="121900" bIns="121900" anchor="t" anchorCtr="0">
+            <a:noAutofit/>
+          </a:bodyPr>
+          <a:lstStyle>
+            <a:defPPr marR="0" lvl="0" algn="l" rtl="0">
+              <a:lnSpc>
+                <a:spcPct val="100000"/>
+              </a:lnSpc>
+              <a:spcBef>
+                <a:spcPts val="0"/>
+              </a:spcBef>
+              <a:spcAft>
+                <a:spcPts val="0"/>
+              </a:spcAft>
+            </a:defPPr>
+            <a:lvl1pPr marR="0" lvl="0" algn="l" rtl="0">
+              <a:lnSpc>
+                <a:spcPct val="80000"/>
+              </a:lnSpc>
+              <a:spcBef>
+                <a:spcPts val="0"/>
+              </a:spcBef>
+              <a:spcAft>
+                <a:spcPts val="0"/>
+              </a:spcAft>
+              <a:buClr>
+                <a:schemeClr val="dk1"/>
+              </a:buClr>
+              <a:buSzPts val="6000"/>
+              <a:buFont typeface="Roboto"/>
+              <a:buNone/>
+              <a:defRPr sz="6000" b="1" i="0" u="none" strike="noStrike" cap="none">
+                <a:solidFill>
+                  <a:schemeClr val="dk1"/>
+                </a:solidFill>
+                <a:latin typeface="Roboto"/>
+                <a:ea typeface="Roboto"/>
+                <a:cs typeface="Roboto"/>
+                <a:sym typeface="Roboto"/>
+              </a:defRPr>
+            </a:lvl1pPr>
+            <a:lvl2pPr marR="0" lvl="1" algn="l" rtl="0">
+              <a:lnSpc>
+                <a:spcPct val="80000"/>
+              </a:lnSpc>
+              <a:spcBef>
+                <a:spcPts val="0"/>
+              </a:spcBef>
+              <a:spcAft>
+                <a:spcPts val="0"/>
+              </a:spcAft>
+              <a:buClr>
+                <a:schemeClr val="dk1"/>
+              </a:buClr>
+              <a:buSzPts val="15000"/>
+              <a:buFont typeface="Roboto"/>
+              <a:buNone/>
+              <a:defRPr sz="15000" b="1" i="0" u="none" strike="noStrike" cap="none">
+                <a:solidFill>
+                  <a:schemeClr val="dk1"/>
+                </a:solidFill>
+                <a:latin typeface="Roboto"/>
+                <a:ea typeface="Roboto"/>
+                <a:cs typeface="Roboto"/>
+                <a:sym typeface="Roboto"/>
+              </a:defRPr>
+            </a:lvl2pPr>
+            <a:lvl3pPr marR="0" lvl="2" algn="l" rtl="0">
+              <a:lnSpc>
+                <a:spcPct val="80000"/>
+              </a:lnSpc>
+              <a:spcBef>
+                <a:spcPts val="0"/>
+              </a:spcBef>
+              <a:spcAft>
+                <a:spcPts val="0"/>
+              </a:spcAft>
+              <a:buClr>
+                <a:schemeClr val="dk1"/>
+              </a:buClr>
+              <a:buSzPts val="15000"/>
+              <a:buFont typeface="Roboto"/>
+              <a:buNone/>
+              <a:defRPr sz="15000" b="1" i="0" u="none" strike="noStrike" cap="none">
+                <a:solidFill>
+                  <a:schemeClr val="dk1"/>
+                </a:solidFill>
+                <a:latin typeface="Roboto"/>
+                <a:ea typeface="Roboto"/>
+                <a:cs typeface="Roboto"/>
+                <a:sym typeface="Roboto"/>
+              </a:defRPr>
+            </a:lvl3pPr>
+            <a:lvl4pPr marR="0" lvl="3" algn="l" rtl="0">
+              <a:lnSpc>
+                <a:spcPct val="80000"/>
+              </a:lnSpc>
+              <a:spcBef>
+                <a:spcPts val="0"/>
+              </a:spcBef>
+              <a:spcAft>
+                <a:spcPts val="0"/>
+              </a:spcAft>
+              <a:buClr>
+                <a:schemeClr val="dk1"/>
+              </a:buClr>
+              <a:buSzPts val="15000"/>
+              <a:buFont typeface="Roboto"/>
+              <a:buNone/>
+              <a:defRPr sz="15000" b="1" i="0" u="none" strike="noStrike" cap="none">
+                <a:solidFill>
+                  <a:schemeClr val="dk1"/>
+                </a:solidFill>
+                <a:latin typeface="Roboto"/>
+                <a:ea typeface="Roboto"/>
+                <a:cs typeface="Roboto"/>
+                <a:sym typeface="Roboto"/>
+              </a:defRPr>
+            </a:lvl4pPr>
+            <a:lvl5pPr marR="0" lvl="4" algn="l" rtl="0">
+              <a:lnSpc>
+                <a:spcPct val="80000"/>
+              </a:lnSpc>
+              <a:spcBef>
+                <a:spcPts val="0"/>
+              </a:spcBef>
+              <a:spcAft>
+                <a:spcPts val="0"/>
+              </a:spcAft>
+              <a:buClr>
+                <a:schemeClr val="dk1"/>
+              </a:buClr>
+              <a:buSzPts val="15000"/>
+              <a:buFont typeface="Roboto"/>
+              <a:buNone/>
+              <a:defRPr sz="15000" b="1" i="0" u="none" strike="noStrike" cap="none">
+                <a:solidFill>
+                  <a:schemeClr val="dk1"/>
+                </a:solidFill>
+                <a:latin typeface="Roboto"/>
+                <a:ea typeface="Roboto"/>
+                <a:cs typeface="Roboto"/>
+                <a:sym typeface="Roboto"/>
+              </a:defRPr>
+            </a:lvl5pPr>
+            <a:lvl6pPr marR="0" lvl="5" algn="l" rtl="0">
+              <a:lnSpc>
+                <a:spcPct val="80000"/>
+              </a:lnSpc>
+              <a:spcBef>
+                <a:spcPts val="0"/>
+              </a:spcBef>
+              <a:spcAft>
+                <a:spcPts val="0"/>
+              </a:spcAft>
+              <a:buClr>
+                <a:schemeClr val="dk1"/>
+              </a:buClr>
+              <a:buSzPts val="15000"/>
+              <a:buFont typeface="Roboto"/>
+              <a:buNone/>
+              <a:defRPr sz="15000" b="1" i="0" u="none" strike="noStrike" cap="none">
+                <a:solidFill>
+                  <a:schemeClr val="dk1"/>
+                </a:solidFill>
+                <a:latin typeface="Roboto"/>
+                <a:ea typeface="Roboto"/>
+                <a:cs typeface="Roboto"/>
+                <a:sym typeface="Roboto"/>
+              </a:defRPr>
+            </a:lvl6pPr>
+            <a:lvl7pPr marR="0" lvl="6" algn="l" rtl="0">
+              <a:lnSpc>
+                <a:spcPct val="80000"/>
+              </a:lnSpc>
+              <a:spcBef>
+                <a:spcPts val="0"/>
+              </a:spcBef>
+              <a:spcAft>
+                <a:spcPts val="0"/>
+              </a:spcAft>
+              <a:buClr>
+                <a:schemeClr val="dk1"/>
+              </a:buClr>
+              <a:buSzPts val="15000"/>
+              <a:buFont typeface="Roboto"/>
+              <a:buNone/>
+              <a:defRPr sz="15000" b="1" i="0" u="none" strike="noStrike" cap="none">
+                <a:solidFill>
+                  <a:schemeClr val="dk1"/>
+                </a:solidFill>
+                <a:latin typeface="Roboto"/>
+                <a:ea typeface="Roboto"/>
+                <a:cs typeface="Roboto"/>
+                <a:sym typeface="Roboto"/>
+              </a:defRPr>
+            </a:lvl7pPr>
+            <a:lvl8pPr marR="0" lvl="7" algn="l" rtl="0">
+              <a:lnSpc>
+                <a:spcPct val="80000"/>
+              </a:lnSpc>
+              <a:spcBef>
+                <a:spcPts val="0"/>
+              </a:spcBef>
+              <a:spcAft>
+                <a:spcPts val="0"/>
+              </a:spcAft>
+              <a:buClr>
+                <a:schemeClr val="dk1"/>
+              </a:buClr>
+              <a:buSzPts val="15000"/>
+              <a:buFont typeface="Roboto"/>
+              <a:buNone/>
+              <a:defRPr sz="15000" b="1" i="0" u="none" strike="noStrike" cap="none">
+                <a:solidFill>
+                  <a:schemeClr val="dk1"/>
+                </a:solidFill>
+                <a:latin typeface="Roboto"/>
+                <a:ea typeface="Roboto"/>
+                <a:cs typeface="Roboto"/>
+                <a:sym typeface="Roboto"/>
+              </a:defRPr>
+            </a:lvl8pPr>
+            <a:lvl9pPr marR="0" lvl="8" algn="l" rtl="0">
+              <a:lnSpc>
+                <a:spcPct val="80000"/>
+              </a:lnSpc>
+              <a:spcBef>
+                <a:spcPts val="0"/>
+              </a:spcBef>
+              <a:spcAft>
+                <a:spcPts val="0"/>
+              </a:spcAft>
+              <a:buClr>
+                <a:schemeClr val="dk1"/>
+              </a:buClr>
+              <a:buSzPts val="15000"/>
+              <a:buFont typeface="Roboto"/>
+              <a:buNone/>
+              <a:defRPr sz="15000" b="1" i="0" u="none" strike="noStrike" cap="none">
+                <a:solidFill>
+                  <a:schemeClr val="dk1"/>
+                </a:solidFill>
+                <a:latin typeface="Roboto"/>
+                <a:ea typeface="Roboto"/>
+                <a:cs typeface="Roboto"/>
+                <a:sym typeface="Roboto"/>
+              </a:defRPr>
+            </a:lvl9pPr>
+          </a:lstStyle>
+          <a:p>
+            <a:r>
+              <a:rPr lang="ru-RU" sz="4000" dirty="0" smtClean="0">
+                <a:solidFill>
+                  <a:schemeClr val="accent6">
+                    <a:lumMod val="60000"/>
+                    <a:lumOff val="40000"/>
+                  </a:schemeClr>
+                </a:solidFill>
+              </a:rPr>
+              <a:t>Архитектура</a:t>
+            </a:r>
+          </a:p>
+          <a:p>
+            <a:r>
+              <a:rPr lang="ru-RU" sz="4000" dirty="0" smtClean="0">
+                <a:solidFill>
+                  <a:schemeClr val="accent6">
+                    <a:lumMod val="60000"/>
+                    <a:lumOff val="40000"/>
+                  </a:schemeClr>
+                </a:solidFill>
+              </a:rPr>
+              <a:t>приложения</a:t>
+            </a:r>
+            <a:endParaRPr lang="ru-RU" dirty="0">
+              <a:solidFill>
+                <a:schemeClr val="accent6">
+                  <a:lumMod val="60000"/>
+                  <a:lumOff val="40000"/>
+                </a:schemeClr>
+              </a:solidFill>
             </a:endParaRPr>
           </a:p>
         </p:txBody>
@@ -27311,69 +27878,6 @@
       </p:grpSpPr>
       <p:sp>
         <p:nvSpPr>
-          <p:cNvPr id="6" name="Google Shape;512;p35">
-            <a:extLst>
-              <a:ext uri="{FF2B5EF4-FFF2-40B4-BE49-F238E27FC236}">
-                <a16:creationId xmlns:a16="http://schemas.microsoft.com/office/drawing/2014/main" id="{DFF56C26-4A7A-EF07-70D3-D7C6BE739483}"/>
-              </a:ext>
-            </a:extLst>
-          </p:cNvPr>
-          <p:cNvSpPr/>
-          <p:nvPr/>
-        </p:nvSpPr>
-        <p:spPr>
-          <a:xfrm>
-            <a:off x="1293091" y="988291"/>
-            <a:ext cx="9855200" cy="5725404"/>
-          </a:xfrm>
-          <a:prstGeom prst="roundRect">
-            <a:avLst>
-              <a:gd name="adj" fmla="val 3539"/>
-            </a:avLst>
-          </a:prstGeom>
-          <a:solidFill>
-            <a:schemeClr val="lt2"/>
-          </a:solidFill>
-          <a:ln>
-            <a:noFill/>
-          </a:ln>
-          <a:effectLst>
-            <a:outerShdw blurRad="63500" sx="102000" sy="102000" algn="ctr" rotWithShape="0">
-              <a:srgbClr val="000000">
-                <a:alpha val="9800"/>
-              </a:srgbClr>
-            </a:outerShdw>
-          </a:effectLst>
-        </p:spPr>
-        <p:txBody>
-          <a:bodyPr spcFirstLastPara="1" wrap="square" lIns="91425" tIns="45700" rIns="91425" bIns="45700" anchor="ctr" anchorCtr="0">
-            <a:noAutofit/>
-          </a:bodyPr>
-          <a:lstStyle/>
-          <a:p>
-            <a:pPr marL="0" marR="0" lvl="0" indent="0" algn="ctr" rtl="0">
-              <a:spcBef>
-                <a:spcPts val="0"/>
-              </a:spcBef>
-              <a:spcAft>
-                <a:spcPts val="0"/>
-              </a:spcAft>
-              <a:buNone/>
-            </a:pPr>
-            <a:endParaRPr sz="1800" b="0" i="0" u="none" strike="noStrike" cap="none">
-              <a:solidFill>
-                <a:srgbClr val="FFFFFF"/>
-              </a:solidFill>
-              <a:latin typeface="Calibri"/>
-              <a:ea typeface="Calibri"/>
-              <a:cs typeface="Calibri"/>
-              <a:sym typeface="Calibri"/>
-            </a:endParaRPr>
-          </a:p>
-        </p:txBody>
-      </p:sp>
-      <p:sp>
-        <p:nvSpPr>
           <p:cNvPr id="3" name="Заголовок 2">
             <a:extLst>
               <a:ext uri="{FF2B5EF4-FFF2-40B4-BE49-F238E27FC236}">
@@ -27390,7 +27894,7 @@
         </p:nvSpPr>
         <p:spPr>
           <a:xfrm>
-            <a:off x="1293091" y="89609"/>
+            <a:off x="541338" y="205934"/>
             <a:ext cx="8478982" cy="976585"/>
           </a:xfrm>
         </p:spPr>
@@ -27420,189 +27924,6 @@
           </a:p>
         </p:txBody>
       </p:sp>
-      <p:grpSp>
-        <p:nvGrpSpPr>
-          <p:cNvPr id="7" name="Google Shape;520;p35">
-            <a:extLst>
-              <a:ext uri="{FF2B5EF4-FFF2-40B4-BE49-F238E27FC236}">
-                <a16:creationId xmlns:a16="http://schemas.microsoft.com/office/drawing/2014/main" id="{39AB6D46-1E53-7A5D-03D6-B9A323516E98}"/>
-              </a:ext>
-            </a:extLst>
-          </p:cNvPr>
-          <p:cNvGrpSpPr/>
-          <p:nvPr/>
-        </p:nvGrpSpPr>
-        <p:grpSpPr>
-          <a:xfrm>
-            <a:off x="1396624" y="1066194"/>
-            <a:ext cx="635280" cy="147600"/>
-            <a:chOff x="2147366" y="4139382"/>
-            <a:chExt cx="635280" cy="147600"/>
-          </a:xfrm>
-        </p:grpSpPr>
-        <p:sp>
-          <p:nvSpPr>
-            <p:cNvPr id="8" name="Google Shape;521;p35">
-              <a:extLst>
-                <a:ext uri="{FF2B5EF4-FFF2-40B4-BE49-F238E27FC236}">
-                  <a16:creationId xmlns:a16="http://schemas.microsoft.com/office/drawing/2014/main" id="{1DA8B802-0E03-895D-0A9D-F455E76BDE0C}"/>
-                </a:ext>
-              </a:extLst>
-            </p:cNvPr>
-            <p:cNvSpPr/>
-            <p:nvPr/>
-          </p:nvSpPr>
-          <p:spPr>
-            <a:xfrm>
-              <a:off x="2147366" y="4139382"/>
-              <a:ext cx="147600" cy="147600"/>
-            </a:xfrm>
-            <a:prstGeom prst="ellipse">
-              <a:avLst/>
-            </a:prstGeom>
-            <a:solidFill>
-              <a:schemeClr val="accent4"/>
-            </a:solidFill>
-            <a:ln>
-              <a:noFill/>
-            </a:ln>
-          </p:spPr>
-          <p:txBody>
-            <a:bodyPr spcFirstLastPara="1" wrap="square" lIns="91425" tIns="45700" rIns="91425" bIns="45700" anchor="ctr" anchorCtr="0">
-              <a:noAutofit/>
-            </a:bodyPr>
-            <a:lstStyle/>
-            <a:p>
-              <a:pPr marL="0" marR="0" lvl="0" indent="0" algn="ctr" rtl="0">
-                <a:spcBef>
-                  <a:spcPts val="0"/>
-                </a:spcBef>
-                <a:spcAft>
-                  <a:spcPts val="0"/>
-                </a:spcAft>
-                <a:buNone/>
-              </a:pPr>
-              <a:endParaRPr sz="1800" b="0" i="0" u="none" strike="noStrike" cap="none">
-                <a:solidFill>
-                  <a:srgbClr val="FFFFFF"/>
-                </a:solidFill>
-                <a:latin typeface="Calibri"/>
-                <a:ea typeface="Calibri"/>
-                <a:cs typeface="Calibri"/>
-                <a:sym typeface="Calibri"/>
-              </a:endParaRPr>
-            </a:p>
-          </p:txBody>
-        </p:sp>
-        <p:sp>
-          <p:nvSpPr>
-            <p:cNvPr id="10" name="Google Shape;522;p35">
-              <a:extLst>
-                <a:ext uri="{FF2B5EF4-FFF2-40B4-BE49-F238E27FC236}">
-                  <a16:creationId xmlns:a16="http://schemas.microsoft.com/office/drawing/2014/main" id="{AF04FCF3-3557-1786-48CA-10674FB48D4D}"/>
-                </a:ext>
-              </a:extLst>
-            </p:cNvPr>
-            <p:cNvSpPr/>
-            <p:nvPr/>
-          </p:nvSpPr>
-          <p:spPr>
-            <a:xfrm>
-              <a:off x="2391206" y="4139382"/>
-              <a:ext cx="147600" cy="147600"/>
-            </a:xfrm>
-            <a:prstGeom prst="ellipse">
-              <a:avLst/>
-            </a:prstGeom>
-            <a:solidFill>
-              <a:schemeClr val="accent5"/>
-            </a:solidFill>
-            <a:ln>
-              <a:noFill/>
-            </a:ln>
-          </p:spPr>
-          <p:txBody>
-            <a:bodyPr spcFirstLastPara="1" wrap="square" lIns="91425" tIns="45700" rIns="91425" bIns="45700" anchor="ctr" anchorCtr="0">
-              <a:noAutofit/>
-            </a:bodyPr>
-            <a:lstStyle/>
-            <a:p>
-              <a:pPr marL="0" marR="0" lvl="0" indent="0" algn="ctr" rtl="0">
-                <a:spcBef>
-                  <a:spcPts val="0"/>
-                </a:spcBef>
-                <a:spcAft>
-                  <a:spcPts val="0"/>
-                </a:spcAft>
-                <a:buNone/>
-              </a:pPr>
-              <a:endParaRPr sz="1800" b="0" i="0" u="none" strike="noStrike" cap="none">
-                <a:solidFill>
-                  <a:srgbClr val="FFFFFF"/>
-                </a:solidFill>
-                <a:latin typeface="Calibri"/>
-                <a:ea typeface="Calibri"/>
-                <a:cs typeface="Calibri"/>
-                <a:sym typeface="Calibri"/>
-              </a:endParaRPr>
-            </a:p>
-          </p:txBody>
-        </p:sp>
-        <p:sp>
-          <p:nvSpPr>
-            <p:cNvPr id="11" name="Google Shape;523;p35">
-              <a:extLst>
-                <a:ext uri="{FF2B5EF4-FFF2-40B4-BE49-F238E27FC236}">
-                  <a16:creationId xmlns:a16="http://schemas.microsoft.com/office/drawing/2014/main" id="{ADFB14CF-360B-71D5-8C12-3E0E4EAB0D22}"/>
-                </a:ext>
-              </a:extLst>
-            </p:cNvPr>
-            <p:cNvSpPr/>
-            <p:nvPr/>
-          </p:nvSpPr>
-          <p:spPr>
-            <a:xfrm>
-              <a:off x="2635046" y="4139382"/>
-              <a:ext cx="147600" cy="147600"/>
-            </a:xfrm>
-            <a:prstGeom prst="ellipse">
-              <a:avLst/>
-            </a:prstGeom>
-            <a:solidFill>
-              <a:schemeClr val="accent6"/>
-            </a:solidFill>
-            <a:ln>
-              <a:noFill/>
-            </a:ln>
-          </p:spPr>
-          <p:txBody>
-            <a:bodyPr spcFirstLastPara="1" wrap="square" lIns="91425" tIns="45700" rIns="91425" bIns="45700" anchor="ctr" anchorCtr="0">
-              <a:noAutofit/>
-            </a:bodyPr>
-            <a:lstStyle/>
-            <a:p>
-              <a:pPr marL="0" marR="0" lvl="0" indent="0" algn="ctr" rtl="0">
-                <a:spcBef>
-                  <a:spcPts val="0"/>
-                </a:spcBef>
-                <a:spcAft>
-                  <a:spcPts val="0"/>
-                </a:spcAft>
-                <a:buNone/>
-              </a:pPr>
-              <a:endParaRPr sz="1800" b="0" i="0" u="none" strike="noStrike" cap="none">
-                <a:solidFill>
-                  <a:srgbClr val="FFFFFF"/>
-                </a:solidFill>
-                <a:latin typeface="Calibri"/>
-                <a:ea typeface="Calibri"/>
-                <a:cs typeface="Calibri"/>
-                <a:sym typeface="Calibri"/>
-              </a:endParaRPr>
-            </a:p>
-          </p:txBody>
-        </p:sp>
-      </p:grpSp>
       <p:sp>
         <p:nvSpPr>
           <p:cNvPr id="12" name="TextBox 11"/>
@@ -27656,7 +27977,7 @@
       </p:sp>
       <p:pic>
         <p:nvPicPr>
-          <p:cNvPr id="2" name="Рисунок 1"/>
+          <p:cNvPr id="5" name="Рисунок 4"/>
           <p:cNvPicPr>
             <a:picLocks noChangeAspect="1"/>
           </p:cNvPicPr>
@@ -27676,8 +27997,8 @@
         </p:blipFill>
         <p:spPr>
           <a:xfrm>
-            <a:off x="1470514" y="1366982"/>
-            <a:ext cx="9483812" cy="5194926"/>
+            <a:off x="541338" y="1310034"/>
+            <a:ext cx="11071542" cy="4755486"/>
           </a:xfrm>
           <a:prstGeom prst="rect">
             <a:avLst/>
@@ -27687,7 +28008,7 @@
     </p:spTree>
     <p:extLst>
       <p:ext uri="{BB962C8B-B14F-4D97-AF65-F5344CB8AC3E}">
-        <p14:creationId xmlns:p14="http://schemas.microsoft.com/office/powerpoint/2010/main" val="177243930"/>
+        <p14:creationId xmlns:p14="http://schemas.microsoft.com/office/powerpoint/2010/main" val="25437035"/>
       </p:ext>
     </p:extLst>
   </p:cSld>

--- a/docs/Презентация.pptx
+++ b/docs/Презентация.pptx
@@ -31,22 +31,22 @@
   <p:notesSz cx="6858000" cy="9144000"/>
   <p:embeddedFontLst>
     <p:embeddedFont>
-      <p:font typeface="Roboto" panose="020B0604020202020204" charset="0"/>
+      <p:font typeface="Roboto Mono" panose="020B0604020202020204" charset="0"/>
       <p:regular r:id="rId19"/>
       <p:bold r:id="rId20"/>
       <p:italic r:id="rId21"/>
       <p:boldItalic r:id="rId22"/>
     </p:embeddedFont>
     <p:embeddedFont>
-      <p:font typeface="Roboto Mono" panose="020B0604020202020204" charset="0"/>
+      <p:font typeface="Abril Fatface" panose="020B0604020202020204" charset="0"/>
       <p:regular r:id="rId23"/>
-      <p:bold r:id="rId24"/>
-      <p:italic r:id="rId25"/>
-      <p:boldItalic r:id="rId26"/>
     </p:embeddedFont>
     <p:embeddedFont>
-      <p:font typeface="Abril Fatface" panose="020B0604020202020204" charset="0"/>
-      <p:regular r:id="rId27"/>
+      <p:font typeface="Roboto" panose="020B0604020202020204" charset="0"/>
+      <p:regular r:id="rId24"/>
+      <p:bold r:id="rId25"/>
+      <p:italic r:id="rId26"/>
+      <p:boldItalic r:id="rId27"/>
     </p:embeddedFont>
     <p:embeddedFont>
       <p:font typeface="Calibri" panose="020F0502020204030204" pitchFamily="34" charset="0"/>
@@ -19883,7 +19883,7 @@
         </p:blipFill>
         <p:spPr>
           <a:xfrm>
-            <a:off x="371908" y="1728074"/>
+            <a:off x="371908" y="1765020"/>
             <a:ext cx="11506056" cy="3915343"/>
           </a:xfrm>
           <a:prstGeom prst="rect">
@@ -20872,7 +20872,7 @@
               </a:spcAft>
             </a:pPr>
             <a:r>
-              <a:rPr lang="ru-RU" sz="2300" smtClean="0"/>
+              <a:rPr lang="ru-RU" sz="2300" dirty="0" smtClean="0"/>
               <a:t>Создано решение </a:t>
             </a:r>
             <a:r>
@@ -22723,7 +22723,7 @@
           </a:lstStyle>
           <a:p>
             <a:r>
-              <a:rPr lang="ru-RU" sz="4000" smtClean="0">
+              <a:rPr lang="ru-RU" sz="4000" dirty="0" smtClean="0">
                 <a:solidFill>
                   <a:schemeClr val="accent6">
                     <a:lumMod val="60000"/>
@@ -27276,7 +27276,7 @@
         </p:blipFill>
         <p:spPr bwMode="auto">
           <a:xfrm>
-            <a:off x="8648982" y="4937760"/>
+            <a:off x="9549543" y="3231653"/>
             <a:ext cx="1402785" cy="1117844"/>
           </a:xfrm>
           <a:prstGeom prst="rect">
@@ -27397,7 +27397,7 @@
         </p:blipFill>
         <p:spPr bwMode="auto">
           <a:xfrm>
-            <a:off x="9350375" y="3191911"/>
+            <a:off x="8269721" y="4841280"/>
             <a:ext cx="2262505" cy="1078225"/>
           </a:xfrm>
           <a:prstGeom prst="rect">
@@ -27997,7 +27997,7 @@
         </p:blipFill>
         <p:spPr>
           <a:xfrm>
-            <a:off x="541338" y="1310034"/>
+            <a:off x="541338" y="1346980"/>
             <a:ext cx="11071542" cy="4755486"/>
           </a:xfrm>
           <a:prstGeom prst="rect">
